--- a/Kursach/Презентация_ПКСС_ИКБО-20-21_МухаметшинАР.pptx
+++ b/Kursach/Презентация_ПКСС_ИКБО-20-21_МухаметшинАР.pptx
@@ -3918,6 +3918,10 @@
           </p:nvPr>
         </p:nvSpPr>
         <p:spPr bwMode="auto">
+          <a:xfrm flipH="0" flipV="0">
+            <a:off x="10924591" y="5942481"/>
+            <a:ext cx="382429" cy="302492"/>
+          </a:xfrm>
           <a:prstGeom prst="rect">
             <a:avLst/>
           </a:prstGeom>
@@ -3951,7 +3955,7 @@
         <p:spPr bwMode="auto">
           <a:xfrm>
             <a:off x="1631386" y="5679641"/>
-            <a:ext cx="2072547" cy="366119"/>
+            <a:ext cx="2072546" cy="366119"/>
           </a:xfrm>
           <a:prstGeom prst="rect">
             <a:avLst/>
@@ -4163,6 +4167,10 @@
           </p:nvPr>
         </p:nvSpPr>
         <p:spPr bwMode="auto">
+          <a:xfrm flipH="0" flipV="0">
+            <a:off x="10878807" y="6036516"/>
+            <a:ext cx="558097" cy="302492"/>
+          </a:xfrm>
           <a:prstGeom prst="rect">
             <a:avLst/>
           </a:prstGeom>
@@ -4404,6 +4412,10 @@
           </p:nvPr>
         </p:nvSpPr>
         <p:spPr bwMode="auto">
+          <a:xfrm flipH="0" flipV="0">
+            <a:off x="10800187" y="5942481"/>
+            <a:ext cx="549946" cy="302492"/>
+          </a:xfrm>
           <a:prstGeom prst="rect">
             <a:avLst/>
           </a:prstGeom>
@@ -4586,6 +4598,10 @@
           </p:nvPr>
         </p:nvSpPr>
         <p:spPr bwMode="auto">
+          <a:xfrm flipH="0" flipV="0">
+            <a:off x="10765908" y="5942481"/>
+            <a:ext cx="693449" cy="302492"/>
+          </a:xfrm>
           <a:prstGeom prst="rect">
             <a:avLst/>
           </a:prstGeom>
@@ -7102,7 +7118,7 @@
         <p:spPr bwMode="auto">
           <a:xfrm>
             <a:off x="1696791" y="5682614"/>
-            <a:ext cx="3018861" cy="366119"/>
+            <a:ext cx="3018860" cy="366119"/>
           </a:xfrm>
           <a:prstGeom prst="rect">
             <a:avLst/>
@@ -7564,7 +7580,7 @@
         <p:spPr bwMode="auto">
           <a:xfrm>
             <a:off x="1648175" y="5576361"/>
-            <a:ext cx="3018861" cy="366119"/>
+            <a:ext cx="3018860" cy="366119"/>
           </a:xfrm>
           <a:prstGeom prst="rect">
             <a:avLst/>
